--- a/第3章-条件与循环/第3章-条件与循环.pptx
+++ b/第3章-条件与循环/第3章-条件与循环.pptx
@@ -2969,6 +2969,210 @@
     </pc:docChg>
   </pc:docChgLst>
   <pc:docChgLst>
+    <pc:chgData name="Xin Luo" userId="82312ee5779919a4" providerId="LiveId" clId="{A5D610E5-752B-7B4A-889B-D40C860DA0F0}"/>
+    <pc:docChg chg="addSld delSld modSld">
+      <pc:chgData name="Xin Luo" userId="82312ee5779919a4" providerId="LiveId" clId="{A5D610E5-752B-7B4A-889B-D40C860DA0F0}" dt="2025-05-08T15:18:36.457" v="210" actId="2696"/>
+      <pc:docMkLst>
+        <pc:docMk/>
+      </pc:docMkLst>
+      <pc:sldChg chg="modSp mod">
+        <pc:chgData name="Xin Luo" userId="82312ee5779919a4" providerId="LiveId" clId="{A5D610E5-752B-7B4A-889B-D40C860DA0F0}" dt="2025-05-08T15:13:36.832" v="125" actId="20577"/>
+        <pc:sldMkLst>
+          <pc:docMk/>
+          <pc:sldMk cId="1576120367" sldId="2387"/>
+        </pc:sldMkLst>
+        <pc:spChg chg="mod">
+          <ac:chgData name="Xin Luo" userId="82312ee5779919a4" providerId="LiveId" clId="{A5D610E5-752B-7B4A-889B-D40C860DA0F0}" dt="2025-05-08T15:13:05.058" v="119" actId="20577"/>
+          <ac:spMkLst>
+            <pc:docMk/>
+            <pc:sldMk cId="1576120367" sldId="2387"/>
+            <ac:spMk id="12" creationId="{00000000-0000-0000-0000-000000000000}"/>
+          </ac:spMkLst>
+        </pc:spChg>
+        <pc:spChg chg="mod">
+          <ac:chgData name="Xin Luo" userId="82312ee5779919a4" providerId="LiveId" clId="{A5D610E5-752B-7B4A-889B-D40C860DA0F0}" dt="2025-05-08T15:12:58.461" v="107" actId="20577"/>
+          <ac:spMkLst>
+            <pc:docMk/>
+            <pc:sldMk cId="1576120367" sldId="2387"/>
+            <ac:spMk id="14" creationId="{00000000-0000-0000-0000-000000000000}"/>
+          </ac:spMkLst>
+        </pc:spChg>
+      </pc:sldChg>
+      <pc:sldChg chg="modSp mod">
+        <pc:chgData name="Xin Luo" userId="82312ee5779919a4" providerId="LiveId" clId="{A5D610E5-752B-7B4A-889B-D40C860DA0F0}" dt="2025-05-08T15:14:31.896" v="150" actId="20577"/>
+        <pc:sldMkLst>
+          <pc:docMk/>
+          <pc:sldMk cId="2415901206" sldId="2447"/>
+        </pc:sldMkLst>
+      </pc:sldChg>
+      <pc:sldChg chg="modSp mod">
+        <pc:chgData name="Xin Luo" userId="82312ee5779919a4" providerId="LiveId" clId="{A5D610E5-752B-7B4A-889B-D40C860DA0F0}" dt="2025-05-08T15:12:24.990" v="38" actId="20577"/>
+        <pc:sldMkLst>
+          <pc:docMk/>
+          <pc:sldMk cId="1658607177" sldId="2708"/>
+        </pc:sldMkLst>
+        <pc:spChg chg="mod">
+          <ac:chgData name="Xin Luo" userId="82312ee5779919a4" providerId="LiveId" clId="{A5D610E5-752B-7B4A-889B-D40C860DA0F0}" dt="2025-05-08T15:12:24.990" v="38" actId="20577"/>
+          <ac:spMkLst>
+            <pc:docMk/>
+            <pc:sldMk cId="1658607177" sldId="2708"/>
+            <ac:spMk id="3" creationId="{E375549C-74EF-2C8F-6432-2C52B803FB1B}"/>
+          </ac:spMkLst>
+        </pc:spChg>
+        <pc:spChg chg="mod">
+          <ac:chgData name="Xin Luo" userId="82312ee5779919a4" providerId="LiveId" clId="{A5D610E5-752B-7B4A-889B-D40C860DA0F0}" dt="2025-05-08T15:12:20.641" v="34" actId="20577"/>
+          <ac:spMkLst>
+            <pc:docMk/>
+            <pc:sldMk cId="1658607177" sldId="2708"/>
+            <ac:spMk id="24" creationId="{00000000-0000-0000-0000-000000000000}"/>
+          </ac:spMkLst>
+        </pc:spChg>
+      </pc:sldChg>
+      <pc:sldChg chg="modSp mod">
+        <pc:chgData name="Xin Luo" userId="82312ee5779919a4" providerId="LiveId" clId="{A5D610E5-752B-7B4A-889B-D40C860DA0F0}" dt="2025-05-08T15:14:38.806" v="166" actId="20577"/>
+        <pc:sldMkLst>
+          <pc:docMk/>
+          <pc:sldMk cId="481122590" sldId="2709"/>
+        </pc:sldMkLst>
+        <pc:spChg chg="mod">
+          <ac:chgData name="Xin Luo" userId="82312ee5779919a4" providerId="LiveId" clId="{A5D610E5-752B-7B4A-889B-D40C860DA0F0}" dt="2025-05-08T15:14:38.806" v="166" actId="20577"/>
+          <ac:spMkLst>
+            <pc:docMk/>
+            <pc:sldMk cId="481122590" sldId="2709"/>
+            <ac:spMk id="7" creationId="{00000000-0000-0000-0000-000000000000}"/>
+          </ac:spMkLst>
+        </pc:spChg>
+      </pc:sldChg>
+      <pc:sldChg chg="del">
+        <pc:chgData name="Xin Luo" userId="82312ee5779919a4" providerId="LiveId" clId="{A5D610E5-752B-7B4A-889B-D40C860DA0F0}" dt="2025-05-08T15:18:36.427" v="198" actId="2696"/>
+        <pc:sldMkLst>
+          <pc:docMk/>
+          <pc:sldMk cId="3833073590" sldId="2716"/>
+        </pc:sldMkLst>
+      </pc:sldChg>
+      <pc:sldChg chg="modSp mod">
+        <pc:chgData name="Xin Luo" userId="82312ee5779919a4" providerId="LiveId" clId="{A5D610E5-752B-7B4A-889B-D40C860DA0F0}" dt="2025-05-08T15:15:01.919" v="196" actId="20577"/>
+        <pc:sldMkLst>
+          <pc:docMk/>
+          <pc:sldMk cId="972163772" sldId="2720"/>
+        </pc:sldMkLst>
+        <pc:spChg chg="mod">
+          <ac:chgData name="Xin Luo" userId="82312ee5779919a4" providerId="LiveId" clId="{A5D610E5-752B-7B4A-889B-D40C860DA0F0}" dt="2025-05-08T15:15:01.919" v="196" actId="20577"/>
+          <ac:spMkLst>
+            <pc:docMk/>
+            <pc:sldMk cId="972163772" sldId="2720"/>
+            <ac:spMk id="7" creationId="{00000000-0000-0000-0000-000000000000}"/>
+          </ac:spMkLst>
+        </pc:spChg>
+      </pc:sldChg>
+      <pc:sldChg chg="del">
+        <pc:chgData name="Xin Luo" userId="82312ee5779919a4" providerId="LiveId" clId="{A5D610E5-752B-7B4A-889B-D40C860DA0F0}" dt="2025-05-08T15:18:36.438" v="205" actId="2696"/>
+        <pc:sldMkLst>
+          <pc:docMk/>
+          <pc:sldMk cId="2689695864" sldId="2721"/>
+        </pc:sldMkLst>
+      </pc:sldChg>
+      <pc:sldChg chg="add">
+        <pc:chgData name="Xin Luo" userId="82312ee5779919a4" providerId="LiveId" clId="{A5D610E5-752B-7B4A-889B-D40C860DA0F0}" dt="2025-05-08T15:18:29.209" v="197"/>
+        <pc:sldMkLst>
+          <pc:docMk/>
+          <pc:sldMk cId="2826444872" sldId="2723"/>
+        </pc:sldMkLst>
+      </pc:sldChg>
+      <pc:sldChg chg="add">
+        <pc:chgData name="Xin Luo" userId="82312ee5779919a4" providerId="LiveId" clId="{A5D610E5-752B-7B4A-889B-D40C860DA0F0}" dt="2025-05-08T15:18:29.209" v="197"/>
+        <pc:sldMkLst>
+          <pc:docMk/>
+          <pc:sldMk cId="965496355" sldId="2726"/>
+        </pc:sldMkLst>
+      </pc:sldChg>
+      <pc:sldChg chg="del">
+        <pc:chgData name="Xin Luo" userId="82312ee5779919a4" providerId="LiveId" clId="{A5D610E5-752B-7B4A-889B-D40C860DA0F0}" dt="2025-05-08T15:18:36.451" v="208" actId="2696"/>
+        <pc:sldMkLst>
+          <pc:docMk/>
+          <pc:sldMk cId="2510358707" sldId="2740"/>
+        </pc:sldMkLst>
+      </pc:sldChg>
+      <pc:sldChg chg="del">
+        <pc:chgData name="Xin Luo" userId="82312ee5779919a4" providerId="LiveId" clId="{A5D610E5-752B-7B4A-889B-D40C860DA0F0}" dt="2025-05-08T15:18:36.428" v="199" actId="2696"/>
+        <pc:sldMkLst>
+          <pc:docMk/>
+          <pc:sldMk cId="3883315984" sldId="2744"/>
+        </pc:sldMkLst>
+      </pc:sldChg>
+      <pc:sldChg chg="del">
+        <pc:chgData name="Xin Luo" userId="82312ee5779919a4" providerId="LiveId" clId="{A5D610E5-752B-7B4A-889B-D40C860DA0F0}" dt="2025-05-08T15:18:36.439" v="206" actId="2696"/>
+        <pc:sldMkLst>
+          <pc:docMk/>
+          <pc:sldMk cId="3741103209" sldId="2745"/>
+        </pc:sldMkLst>
+      </pc:sldChg>
+      <pc:sldChg chg="del">
+        <pc:chgData name="Xin Luo" userId="82312ee5779919a4" providerId="LiveId" clId="{A5D610E5-752B-7B4A-889B-D40C860DA0F0}" dt="2025-05-08T15:18:36.432" v="203" actId="2696"/>
+        <pc:sldMkLst>
+          <pc:docMk/>
+          <pc:sldMk cId="322086101" sldId="2746"/>
+        </pc:sldMkLst>
+      </pc:sldChg>
+      <pc:sldChg chg="del">
+        <pc:chgData name="Xin Luo" userId="82312ee5779919a4" providerId="LiveId" clId="{A5D610E5-752B-7B4A-889B-D40C860DA0F0}" dt="2025-05-08T15:18:36.429" v="200" actId="2696"/>
+        <pc:sldMkLst>
+          <pc:docMk/>
+          <pc:sldMk cId="2920839983" sldId="2747"/>
+        </pc:sldMkLst>
+      </pc:sldChg>
+      <pc:sldChg chg="del">
+        <pc:chgData name="Xin Luo" userId="82312ee5779919a4" providerId="LiveId" clId="{A5D610E5-752B-7B4A-889B-D40C860DA0F0}" dt="2025-05-08T15:18:36.431" v="202" actId="2696"/>
+        <pc:sldMkLst>
+          <pc:docMk/>
+          <pc:sldMk cId="2081473989" sldId="2748"/>
+        </pc:sldMkLst>
+      </pc:sldChg>
+      <pc:sldChg chg="del">
+        <pc:chgData name="Xin Luo" userId="82312ee5779919a4" providerId="LiveId" clId="{A5D610E5-752B-7B4A-889B-D40C860DA0F0}" dt="2025-05-08T15:18:36.457" v="210" actId="2696"/>
+        <pc:sldMkLst>
+          <pc:docMk/>
+          <pc:sldMk cId="1994915307" sldId="2749"/>
+        </pc:sldMkLst>
+      </pc:sldChg>
+      <pc:sldChg chg="del">
+        <pc:chgData name="Xin Luo" userId="82312ee5779919a4" providerId="LiveId" clId="{A5D610E5-752B-7B4A-889B-D40C860DA0F0}" dt="2025-05-08T15:18:36.430" v="201" actId="2696"/>
+        <pc:sldMkLst>
+          <pc:docMk/>
+          <pc:sldMk cId="202264030" sldId="2750"/>
+        </pc:sldMkLst>
+      </pc:sldChg>
+      <pc:sldChg chg="del">
+        <pc:chgData name="Xin Luo" userId="82312ee5779919a4" providerId="LiveId" clId="{A5D610E5-752B-7B4A-889B-D40C860DA0F0}" dt="2025-05-08T15:18:36.448" v="207" actId="2696"/>
+        <pc:sldMkLst>
+          <pc:docMk/>
+          <pc:sldMk cId="2371836296" sldId="2756"/>
+        </pc:sldMkLst>
+      </pc:sldChg>
+      <pc:sldChg chg="del">
+        <pc:chgData name="Xin Luo" userId="82312ee5779919a4" providerId="LiveId" clId="{A5D610E5-752B-7B4A-889B-D40C860DA0F0}" dt="2025-05-08T15:18:36.437" v="204" actId="2696"/>
+        <pc:sldMkLst>
+          <pc:docMk/>
+          <pc:sldMk cId="397779649" sldId="2757"/>
+        </pc:sldMkLst>
+      </pc:sldChg>
+      <pc:sldChg chg="del">
+        <pc:chgData name="Xin Luo" userId="82312ee5779919a4" providerId="LiveId" clId="{A5D610E5-752B-7B4A-889B-D40C860DA0F0}" dt="2025-05-08T15:18:36.455" v="209" actId="2696"/>
+        <pc:sldMkLst>
+          <pc:docMk/>
+          <pc:sldMk cId="1878724924" sldId="2758"/>
+        </pc:sldMkLst>
+      </pc:sldChg>
+      <pc:sldChg chg="add">
+        <pc:chgData name="Xin Luo" userId="82312ee5779919a4" providerId="LiveId" clId="{A5D610E5-752B-7B4A-889B-D40C860DA0F0}" dt="2025-05-08T15:18:29.209" v="197"/>
+        <pc:sldMkLst>
+          <pc:docMk/>
+          <pc:sldMk cId="3506380824" sldId="2764"/>
+        </pc:sldMkLst>
+      </pc:sldChg>
+    </pc:docChg>
+  </pc:docChgLst>
+  <pc:docChgLst>
     <pc:chgData name="Xin Luo" userId="82312ee5779919a4" providerId="LiveId" clId="{4DB6C473-8E57-A543-81F7-48BE109E8C13}"/>
     <pc:docChg chg="undo custSel addSld delSld modSld sldOrd delMainMaster">
       <pc:chgData name="Xin Luo" userId="82312ee5779919a4" providerId="LiveId" clId="{4DB6C473-8E57-A543-81F7-48BE109E8C13}" dt="2023-02-21T15:10:04.498" v="5724" actId="108"/>
@@ -3317,210 +3521,6 @@
     </pc:docChg>
   </pc:docChgLst>
   <pc:docChgLst>
-    <pc:chgData name="Xin Luo" userId="82312ee5779919a4" providerId="LiveId" clId="{A5D610E5-752B-7B4A-889B-D40C860DA0F0}"/>
-    <pc:docChg chg="addSld delSld modSld">
-      <pc:chgData name="Xin Luo" userId="82312ee5779919a4" providerId="LiveId" clId="{A5D610E5-752B-7B4A-889B-D40C860DA0F0}" dt="2025-05-08T15:18:36.457" v="210" actId="2696"/>
-      <pc:docMkLst>
-        <pc:docMk/>
-      </pc:docMkLst>
-      <pc:sldChg chg="modSp mod">
-        <pc:chgData name="Xin Luo" userId="82312ee5779919a4" providerId="LiveId" clId="{A5D610E5-752B-7B4A-889B-D40C860DA0F0}" dt="2025-05-08T15:13:36.832" v="125" actId="20577"/>
-        <pc:sldMkLst>
-          <pc:docMk/>
-          <pc:sldMk cId="1576120367" sldId="2387"/>
-        </pc:sldMkLst>
-        <pc:spChg chg="mod">
-          <ac:chgData name="Xin Luo" userId="82312ee5779919a4" providerId="LiveId" clId="{A5D610E5-752B-7B4A-889B-D40C860DA0F0}" dt="2025-05-08T15:13:05.058" v="119" actId="20577"/>
-          <ac:spMkLst>
-            <pc:docMk/>
-            <pc:sldMk cId="1576120367" sldId="2387"/>
-            <ac:spMk id="12" creationId="{00000000-0000-0000-0000-000000000000}"/>
-          </ac:spMkLst>
-        </pc:spChg>
-        <pc:spChg chg="mod">
-          <ac:chgData name="Xin Luo" userId="82312ee5779919a4" providerId="LiveId" clId="{A5D610E5-752B-7B4A-889B-D40C860DA0F0}" dt="2025-05-08T15:12:58.461" v="107" actId="20577"/>
-          <ac:spMkLst>
-            <pc:docMk/>
-            <pc:sldMk cId="1576120367" sldId="2387"/>
-            <ac:spMk id="14" creationId="{00000000-0000-0000-0000-000000000000}"/>
-          </ac:spMkLst>
-        </pc:spChg>
-      </pc:sldChg>
-      <pc:sldChg chg="modSp mod">
-        <pc:chgData name="Xin Luo" userId="82312ee5779919a4" providerId="LiveId" clId="{A5D610E5-752B-7B4A-889B-D40C860DA0F0}" dt="2025-05-08T15:14:31.896" v="150" actId="20577"/>
-        <pc:sldMkLst>
-          <pc:docMk/>
-          <pc:sldMk cId="2415901206" sldId="2447"/>
-        </pc:sldMkLst>
-      </pc:sldChg>
-      <pc:sldChg chg="modSp mod">
-        <pc:chgData name="Xin Luo" userId="82312ee5779919a4" providerId="LiveId" clId="{A5D610E5-752B-7B4A-889B-D40C860DA0F0}" dt="2025-05-08T15:12:24.990" v="38" actId="20577"/>
-        <pc:sldMkLst>
-          <pc:docMk/>
-          <pc:sldMk cId="1658607177" sldId="2708"/>
-        </pc:sldMkLst>
-        <pc:spChg chg="mod">
-          <ac:chgData name="Xin Luo" userId="82312ee5779919a4" providerId="LiveId" clId="{A5D610E5-752B-7B4A-889B-D40C860DA0F0}" dt="2025-05-08T15:12:24.990" v="38" actId="20577"/>
-          <ac:spMkLst>
-            <pc:docMk/>
-            <pc:sldMk cId="1658607177" sldId="2708"/>
-            <ac:spMk id="3" creationId="{E375549C-74EF-2C8F-6432-2C52B803FB1B}"/>
-          </ac:spMkLst>
-        </pc:spChg>
-        <pc:spChg chg="mod">
-          <ac:chgData name="Xin Luo" userId="82312ee5779919a4" providerId="LiveId" clId="{A5D610E5-752B-7B4A-889B-D40C860DA0F0}" dt="2025-05-08T15:12:20.641" v="34" actId="20577"/>
-          <ac:spMkLst>
-            <pc:docMk/>
-            <pc:sldMk cId="1658607177" sldId="2708"/>
-            <ac:spMk id="24" creationId="{00000000-0000-0000-0000-000000000000}"/>
-          </ac:spMkLst>
-        </pc:spChg>
-      </pc:sldChg>
-      <pc:sldChg chg="modSp mod">
-        <pc:chgData name="Xin Luo" userId="82312ee5779919a4" providerId="LiveId" clId="{A5D610E5-752B-7B4A-889B-D40C860DA0F0}" dt="2025-05-08T15:14:38.806" v="166" actId="20577"/>
-        <pc:sldMkLst>
-          <pc:docMk/>
-          <pc:sldMk cId="481122590" sldId="2709"/>
-        </pc:sldMkLst>
-        <pc:spChg chg="mod">
-          <ac:chgData name="Xin Luo" userId="82312ee5779919a4" providerId="LiveId" clId="{A5D610E5-752B-7B4A-889B-D40C860DA0F0}" dt="2025-05-08T15:14:38.806" v="166" actId="20577"/>
-          <ac:spMkLst>
-            <pc:docMk/>
-            <pc:sldMk cId="481122590" sldId="2709"/>
-            <ac:spMk id="7" creationId="{00000000-0000-0000-0000-000000000000}"/>
-          </ac:spMkLst>
-        </pc:spChg>
-      </pc:sldChg>
-      <pc:sldChg chg="del">
-        <pc:chgData name="Xin Luo" userId="82312ee5779919a4" providerId="LiveId" clId="{A5D610E5-752B-7B4A-889B-D40C860DA0F0}" dt="2025-05-08T15:18:36.427" v="198" actId="2696"/>
-        <pc:sldMkLst>
-          <pc:docMk/>
-          <pc:sldMk cId="3833073590" sldId="2716"/>
-        </pc:sldMkLst>
-      </pc:sldChg>
-      <pc:sldChg chg="modSp mod">
-        <pc:chgData name="Xin Luo" userId="82312ee5779919a4" providerId="LiveId" clId="{A5D610E5-752B-7B4A-889B-D40C860DA0F0}" dt="2025-05-08T15:15:01.919" v="196" actId="20577"/>
-        <pc:sldMkLst>
-          <pc:docMk/>
-          <pc:sldMk cId="972163772" sldId="2720"/>
-        </pc:sldMkLst>
-        <pc:spChg chg="mod">
-          <ac:chgData name="Xin Luo" userId="82312ee5779919a4" providerId="LiveId" clId="{A5D610E5-752B-7B4A-889B-D40C860DA0F0}" dt="2025-05-08T15:15:01.919" v="196" actId="20577"/>
-          <ac:spMkLst>
-            <pc:docMk/>
-            <pc:sldMk cId="972163772" sldId="2720"/>
-            <ac:spMk id="7" creationId="{00000000-0000-0000-0000-000000000000}"/>
-          </ac:spMkLst>
-        </pc:spChg>
-      </pc:sldChg>
-      <pc:sldChg chg="del">
-        <pc:chgData name="Xin Luo" userId="82312ee5779919a4" providerId="LiveId" clId="{A5D610E5-752B-7B4A-889B-D40C860DA0F0}" dt="2025-05-08T15:18:36.438" v="205" actId="2696"/>
-        <pc:sldMkLst>
-          <pc:docMk/>
-          <pc:sldMk cId="2689695864" sldId="2721"/>
-        </pc:sldMkLst>
-      </pc:sldChg>
-      <pc:sldChg chg="add">
-        <pc:chgData name="Xin Luo" userId="82312ee5779919a4" providerId="LiveId" clId="{A5D610E5-752B-7B4A-889B-D40C860DA0F0}" dt="2025-05-08T15:18:29.209" v="197"/>
-        <pc:sldMkLst>
-          <pc:docMk/>
-          <pc:sldMk cId="2826444872" sldId="2723"/>
-        </pc:sldMkLst>
-      </pc:sldChg>
-      <pc:sldChg chg="add">
-        <pc:chgData name="Xin Luo" userId="82312ee5779919a4" providerId="LiveId" clId="{A5D610E5-752B-7B4A-889B-D40C860DA0F0}" dt="2025-05-08T15:18:29.209" v="197"/>
-        <pc:sldMkLst>
-          <pc:docMk/>
-          <pc:sldMk cId="965496355" sldId="2726"/>
-        </pc:sldMkLst>
-      </pc:sldChg>
-      <pc:sldChg chg="del">
-        <pc:chgData name="Xin Luo" userId="82312ee5779919a4" providerId="LiveId" clId="{A5D610E5-752B-7B4A-889B-D40C860DA0F0}" dt="2025-05-08T15:18:36.451" v="208" actId="2696"/>
-        <pc:sldMkLst>
-          <pc:docMk/>
-          <pc:sldMk cId="2510358707" sldId="2740"/>
-        </pc:sldMkLst>
-      </pc:sldChg>
-      <pc:sldChg chg="del">
-        <pc:chgData name="Xin Luo" userId="82312ee5779919a4" providerId="LiveId" clId="{A5D610E5-752B-7B4A-889B-D40C860DA0F0}" dt="2025-05-08T15:18:36.428" v="199" actId="2696"/>
-        <pc:sldMkLst>
-          <pc:docMk/>
-          <pc:sldMk cId="3883315984" sldId="2744"/>
-        </pc:sldMkLst>
-      </pc:sldChg>
-      <pc:sldChg chg="del">
-        <pc:chgData name="Xin Luo" userId="82312ee5779919a4" providerId="LiveId" clId="{A5D610E5-752B-7B4A-889B-D40C860DA0F0}" dt="2025-05-08T15:18:36.439" v="206" actId="2696"/>
-        <pc:sldMkLst>
-          <pc:docMk/>
-          <pc:sldMk cId="3741103209" sldId="2745"/>
-        </pc:sldMkLst>
-      </pc:sldChg>
-      <pc:sldChg chg="del">
-        <pc:chgData name="Xin Luo" userId="82312ee5779919a4" providerId="LiveId" clId="{A5D610E5-752B-7B4A-889B-D40C860DA0F0}" dt="2025-05-08T15:18:36.432" v="203" actId="2696"/>
-        <pc:sldMkLst>
-          <pc:docMk/>
-          <pc:sldMk cId="322086101" sldId="2746"/>
-        </pc:sldMkLst>
-      </pc:sldChg>
-      <pc:sldChg chg="del">
-        <pc:chgData name="Xin Luo" userId="82312ee5779919a4" providerId="LiveId" clId="{A5D610E5-752B-7B4A-889B-D40C860DA0F0}" dt="2025-05-08T15:18:36.429" v="200" actId="2696"/>
-        <pc:sldMkLst>
-          <pc:docMk/>
-          <pc:sldMk cId="2920839983" sldId="2747"/>
-        </pc:sldMkLst>
-      </pc:sldChg>
-      <pc:sldChg chg="del">
-        <pc:chgData name="Xin Luo" userId="82312ee5779919a4" providerId="LiveId" clId="{A5D610E5-752B-7B4A-889B-D40C860DA0F0}" dt="2025-05-08T15:18:36.431" v="202" actId="2696"/>
-        <pc:sldMkLst>
-          <pc:docMk/>
-          <pc:sldMk cId="2081473989" sldId="2748"/>
-        </pc:sldMkLst>
-      </pc:sldChg>
-      <pc:sldChg chg="del">
-        <pc:chgData name="Xin Luo" userId="82312ee5779919a4" providerId="LiveId" clId="{A5D610E5-752B-7B4A-889B-D40C860DA0F0}" dt="2025-05-08T15:18:36.457" v="210" actId="2696"/>
-        <pc:sldMkLst>
-          <pc:docMk/>
-          <pc:sldMk cId="1994915307" sldId="2749"/>
-        </pc:sldMkLst>
-      </pc:sldChg>
-      <pc:sldChg chg="del">
-        <pc:chgData name="Xin Luo" userId="82312ee5779919a4" providerId="LiveId" clId="{A5D610E5-752B-7B4A-889B-D40C860DA0F0}" dt="2025-05-08T15:18:36.430" v="201" actId="2696"/>
-        <pc:sldMkLst>
-          <pc:docMk/>
-          <pc:sldMk cId="202264030" sldId="2750"/>
-        </pc:sldMkLst>
-      </pc:sldChg>
-      <pc:sldChg chg="del">
-        <pc:chgData name="Xin Luo" userId="82312ee5779919a4" providerId="LiveId" clId="{A5D610E5-752B-7B4A-889B-D40C860DA0F0}" dt="2025-05-08T15:18:36.448" v="207" actId="2696"/>
-        <pc:sldMkLst>
-          <pc:docMk/>
-          <pc:sldMk cId="2371836296" sldId="2756"/>
-        </pc:sldMkLst>
-      </pc:sldChg>
-      <pc:sldChg chg="del">
-        <pc:chgData name="Xin Luo" userId="82312ee5779919a4" providerId="LiveId" clId="{A5D610E5-752B-7B4A-889B-D40C860DA0F0}" dt="2025-05-08T15:18:36.437" v="204" actId="2696"/>
-        <pc:sldMkLst>
-          <pc:docMk/>
-          <pc:sldMk cId="397779649" sldId="2757"/>
-        </pc:sldMkLst>
-      </pc:sldChg>
-      <pc:sldChg chg="del">
-        <pc:chgData name="Xin Luo" userId="82312ee5779919a4" providerId="LiveId" clId="{A5D610E5-752B-7B4A-889B-D40C860DA0F0}" dt="2025-05-08T15:18:36.455" v="209" actId="2696"/>
-        <pc:sldMkLst>
-          <pc:docMk/>
-          <pc:sldMk cId="1878724924" sldId="2758"/>
-        </pc:sldMkLst>
-      </pc:sldChg>
-      <pc:sldChg chg="add">
-        <pc:chgData name="Xin Luo" userId="82312ee5779919a4" providerId="LiveId" clId="{A5D610E5-752B-7B4A-889B-D40C860DA0F0}" dt="2025-05-08T15:18:29.209" v="197"/>
-        <pc:sldMkLst>
-          <pc:docMk/>
-          <pc:sldMk cId="3506380824" sldId="2764"/>
-        </pc:sldMkLst>
-      </pc:sldChg>
-    </pc:docChg>
-  </pc:docChgLst>
-  <pc:docChgLst>
     <pc:chgData name="Xin Luo" userId="82312ee5779919a4" providerId="LiveId" clId="{743256A7-6CE7-B242-894F-C640845B5FDB}"/>
     <pc:docChg chg="addSld delSld modSld">
       <pc:chgData name="Xin Luo" userId="82312ee5779919a4" providerId="LiveId" clId="{743256A7-6CE7-B242-894F-C640845B5FDB}" dt="2025-05-08T15:21:00.183" v="109" actId="2696"/>
@@ -4034,7 +4034,7 @@
               </a14:hiddenFill>
             </a:ext>
             <a:ext uri="{FAA26D3D-D897-4be2-8F04-BA451C77F1D7}">
-              <ma14:placeholderFlag xmlns:ma14="http://schemas.microsoft.com/office/mac/drawingml/2011/main" xmlns="" val="1"/>
+              <ma14:placeholderFlag xmlns="" xmlns:ma14="http://schemas.microsoft.com/office/mac/drawingml/2011/main" val="1"/>
             </a:ext>
           </a:extLst>
         </p:spPr>
@@ -4422,7 +4422,7 @@
               </a14:hiddenLine>
             </a:ext>
             <a:ext uri="{FAA26D3D-D897-4be2-8F04-BA451C77F1D7}">
-              <ma14:placeholderFlag xmlns:ma14="http://schemas.microsoft.com/office/mac/drawingml/2011/main" xmlns="" val="1"/>
+              <ma14:placeholderFlag xmlns="" xmlns:ma14="http://schemas.microsoft.com/office/mac/drawingml/2011/main" val="1"/>
             </a:ext>
           </a:extLst>
         </p:spPr>
@@ -7636,7 +7636,7 @@
               </a14:hiddenLine>
             </a:ext>
             <a:ext uri="{FAA26D3D-D897-4be2-8F04-BA451C77F1D7}">
-              <ma14:placeholderFlag xmlns:ma14="http://schemas.microsoft.com/office/mac/drawingml/2011/main" xmlns="" val="1"/>
+              <ma14:placeholderFlag xmlns="" xmlns:ma14="http://schemas.microsoft.com/office/mac/drawingml/2011/main" val="1"/>
             </a:ext>
           </a:extLst>
         </p:spPr>
@@ -11332,7 +11332,7 @@
               </a14:hiddenLine>
             </a:ext>
             <a:ext uri="{FAA26D3D-D897-4be2-8F04-BA451C77F1D7}">
-              <ma14:placeholderFlag xmlns:ma14="http://schemas.microsoft.com/office/mac/drawingml/2011/main" xmlns="" val="1"/>
+              <ma14:placeholderFlag xmlns="" xmlns:ma14="http://schemas.microsoft.com/office/mac/drawingml/2011/main" val="1"/>
             </a:ext>
           </a:extLst>
         </p:spPr>
